--- a/Jovans Charles Part C 2 traffic data presentation.pptx
+++ b/Jovans Charles Part C 2 traffic data presentation.pptx
@@ -155,6 +155,11 @@
       </a:defRPr>
     </a:lvl9pPr>
   </p:defaultTextStyle>
+  <p:extLst>
+    <p:ext uri="{EFAFB233-063F-42B5-8137-9DF3F51BA10A}">
+      <p15:sldGuideLst xmlns:p15="http://schemas.microsoft.com/office/powerpoint/2012/main"/>
+    </p:ext>
+  </p:extLst>
 </p:presentation>
 </file>
 
@@ -35726,31 +35731,6 @@
       </p:grpSpPr>
       <p:sp>
         <p:nvSpPr>
-          <p:cNvPr id="2" name="Title 1">
-            <a:extLst>
-              <a:ext uri="{FF2B5EF4-FFF2-40B4-BE49-F238E27FC236}">
-                <a16:creationId xmlns:a16="http://schemas.microsoft.com/office/drawing/2014/main" id="{6E8280C3-7A71-9402-4114-8BE9C41A432E}"/>
-              </a:ext>
-            </a:extLst>
-          </p:cNvPr>
-          <p:cNvSpPr>
-            <a:spLocks noGrp="1"/>
-          </p:cNvSpPr>
-          <p:nvPr>
-            <p:ph type="title"/>
-          </p:nvPr>
-        </p:nvSpPr>
-        <p:spPr/>
-        <p:txBody>
-          <a:bodyPr/>
-          <a:lstStyle/>
-          <a:p>
-            <a:endParaRPr lang="en-US"/>
-          </a:p>
-        </p:txBody>
-      </p:sp>
-      <p:sp>
-        <p:nvSpPr>
           <p:cNvPr id="3" name="Content Placeholder 2">
             <a:extLst>
               <a:ext uri="{FF2B5EF4-FFF2-40B4-BE49-F238E27FC236}">
@@ -35765,25 +35745,48 @@
             <p:ph idx="1"/>
           </p:nvPr>
         </p:nvSpPr>
-        <p:spPr/>
+        <p:spPr>
+          <a:xfrm>
+            <a:off x="614597" y="1687513"/>
+            <a:ext cx="10739203" cy="4805360"/>
+          </a:xfrm>
+        </p:spPr>
         <p:txBody>
           <a:bodyPr>
-            <a:normAutofit fontScale="77500" lnSpcReduction="20000"/>
+            <a:normAutofit fontScale="92500" lnSpcReduction="20000"/>
           </a:bodyPr>
           <a:lstStyle/>
           <a:p>
             <a:r>
               <a:rPr lang="en-US" dirty="0"/>
-              <a:t>Our analysis of vehicle types sheds light on their impact on traffic flow and energy consumption. The left plot suggests that trucks have a significant influence on traffic density, as indicated by the potentially higher median and wider spread in the 'Truck' box compared to others. This aligns with the expectation of larger vehicles causing more congestion. Motorcycles, on the other hand, might have a lower individual impact (reflected by the boxplot) but could be more numerous, affecting overall traffic flow.</a:t>
+              <a:t>The left plot suggests that trucks have a significant influence on traffic density, as indicated by the potentially higher median and wider spread in the 'Truck' box compared to others. </a:t>
             </a:r>
           </a:p>
           <a:p>
-            <a:endParaRPr lang="en-US" dirty="0"/>
+            <a:pPr lvl="1"/>
+            <a:r>
+              <a:rPr lang="en-US" dirty="0"/>
+              <a:t>This aligns with the expectation of larger vehicles causing more congestion. Motorcycles, on the other hand, might have a lower individual impact (reflected by the boxplot) but could be more numerous, affecting overall traffic flow.</a:t>
+            </a:r>
           </a:p>
           <a:p>
             <a:r>
               <a:rPr lang="en-US" dirty="0"/>
-              <a:t>When it comes to energy consumption (right plot), trucks again emerge as potential contributors, with a possible higher median in the 'Truck' box. This suggests their size and engine power might lead to higher energy use. Cars, while likely having a lower individual energy consumption per vehicle compared to trucks (depending on fuel efficiency), might be the dominant consumer overall due to their potential abundance (reflected by the spread of the 'Car' box). Motorcycles likely consume less energy per vehicle but their overall impact depends on ridership numbers.</a:t>
+              <a:t>When it comes to energy consumption (right plot), trucks again emerge as potential contributors, with a possible higher median in the 'Truck' box.</a:t>
+            </a:r>
+          </a:p>
+          <a:p>
+            <a:pPr lvl="1"/>
+            <a:r>
+              <a:rPr lang="en-US" dirty="0"/>
+              <a:t>This suggests their size and engine power might lead to higher energy use. Cars, while likely having a lower individual energy consumption per vehicle compared to trucks (depending on fuel efficiency), might be the dominant consumer overall due to their potential abundance (reflected by the spread of the 'Car' box).</a:t>
+            </a:r>
+          </a:p>
+          <a:p>
+            <a:pPr lvl="1"/>
+            <a:r>
+              <a:rPr lang="en-US" dirty="0"/>
+              <a:t> Motorcycles likely consume less energy per vehicle but their overall impact depends on ridership numbers.</a:t>
             </a:r>
           </a:p>
         </p:txBody>
@@ -36486,7 +36489,7 @@
           <a:p>
             <a:r>
               <a:rPr lang="en-US" dirty="0"/>
-              <a:t>Results from the different Models</a:t>
+              <a:t>Results from the Different Models</a:t>
             </a:r>
           </a:p>
         </p:txBody>
@@ -36998,10 +37001,15 @@
           </a:xfrm>
         </p:spPr>
         <p:txBody>
-          <a:bodyPr/>
+          <a:bodyPr>
+            <a:normAutofit fontScale="90000"/>
+          </a:bodyPr>
           <a:lstStyle/>
           <a:p>
-            <a:endParaRPr lang="en-US"/>
+            <a:r>
+              <a:rPr lang="en-US" dirty="0"/>
+              <a:t>Visual for The Traffic Density across Different Days of the Week</a:t>
+            </a:r>
           </a:p>
         </p:txBody>
       </p:sp>
